--- a/DAFAR原型系统开发计划.pptx
+++ b/DAFAR原型系统开发计划.pptx
@@ -220,7 +220,7 @@
           <a:p>
             <a:fld id="{202C1FBA-CF23-45CA-A289-03E32D160964}" type="datetimeFigureOut">
               <a:rPr lang="zh-CN" altLang="en-US" smtClean="0"/>
-              <a:t>2021/1/18</a:t>
+              <a:t>2021/1/20</a:t>
             </a:fld>
             <a:endParaRPr lang="zh-CN" altLang="en-US"/>
           </a:p>
@@ -385,7 +385,7 @@
           <a:p>
             <a:fld id="{6D966BD8-0FC1-456F-BDC6-7D0CA8E36566}" type="datetimeFigureOut">
               <a:rPr lang="zh-CN" altLang="en-US" smtClean="0"/>
-              <a:t>2021/1/18</a:t>
+              <a:t>2021/1/20</a:t>
             </a:fld>
             <a:endParaRPr lang="zh-CN" altLang="en-US"/>
           </a:p>
@@ -23964,7 +23964,7 @@
             </a:r>
             <a:r>
               <a:rPr lang="zh-CN" altLang="en-US" dirty="0"/>
-              <a:t>数据集，在</a:t>
+              <a:t>数据集，在 </a:t>
             </a:r>
             <a:r>
               <a:rPr lang="en-US" altLang="zh-CN" dirty="0"/>
@@ -23988,7 +23988,15 @@
             </a:r>
             <a:r>
               <a:rPr lang="zh-CN" altLang="en-US" dirty="0"/>
-              <a:t>上的对抗样本识别率均已达到</a:t>
+              <a:t>、</a:t>
+            </a:r>
+            <a:r>
+              <a:rPr lang="en-US" altLang="zh-CN" dirty="0" err="1"/>
+              <a:t>DeepFool</a:t>
+            </a:r>
+            <a:r>
+              <a:rPr lang="zh-CN" altLang="en-US" dirty="0"/>
+              <a:t> 上的对抗样本识别率均已达到</a:t>
             </a:r>
             <a:r>
               <a:rPr lang="en-US" altLang="zh-CN" dirty="0"/>
